--- a/Slide/18- What is Numerical Calculation.pptx
+++ b/Slide/18- What is Numerical Calculation.pptx
@@ -16558,6 +16558,19 @@
 <file path=ppt/slides/slide26.xml><?xml version="1.0" encoding="utf-8"?>
 <p:sld xmlns:a="http://schemas.openxmlformats.org/drawingml/2006/main" xmlns:r="http://schemas.openxmlformats.org/officeDocument/2006/relationships" xmlns:p="http://schemas.openxmlformats.org/presentationml/2006/main">
   <p:cSld>
+    <p:bg>
+      <p:bgPr>
+        <a:pattFill prst="sphere">
+          <a:fgClr>
+            <a:schemeClr val="bg2"/>
+          </a:fgClr>
+          <a:bgClr>
+            <a:schemeClr val="bg1"/>
+          </a:bgClr>
+        </a:pattFill>
+        <a:effectLst/>
+      </p:bgPr>
+    </p:bg>
     <p:spTree>
       <p:nvGrpSpPr>
         <p:cNvPr id="1" name=""/>
@@ -16574,6 +16587,64 @@
       </p:grpSpPr>
       <p:sp>
         <p:nvSpPr>
+          <p:cNvPr id="4" name="Footer Placeholder 3">
+            <a:extLst>
+              <a:ext uri="{FF2B5EF4-FFF2-40B4-BE49-F238E27FC236}">
+                <a16:creationId xmlns:a16="http://schemas.microsoft.com/office/drawing/2014/main" id="{355EB853-F95B-5912-E937-FD6581B85473}"/>
+              </a:ext>
+            </a:extLst>
+          </p:cNvPr>
+          <p:cNvSpPr>
+            <a:spLocks noGrp="1"/>
+          </p:cNvSpPr>
+          <p:nvPr>
+            <p:ph type="ftr" sz="quarter" idx="11"/>
+          </p:nvPr>
+        </p:nvSpPr>
+        <p:spPr/>
+        <p:txBody>
+          <a:bodyPr/>
+          <a:lstStyle/>
+          <a:p>
+            <a:r>
+              <a:rPr lang="en-US"/>
+              <a:t>Fundamental Programming with Python</a:t>
+            </a:r>
+            <a:endParaRPr lang="en-US" dirty="0"/>
+          </a:p>
+        </p:txBody>
+      </p:sp>
+      <p:sp>
+        <p:nvSpPr>
+          <p:cNvPr id="5" name="Slide Number Placeholder 4">
+            <a:extLst>
+              <a:ext uri="{FF2B5EF4-FFF2-40B4-BE49-F238E27FC236}">
+                <a16:creationId xmlns:a16="http://schemas.microsoft.com/office/drawing/2014/main" id="{48D1EFB4-222B-71EC-0048-A1BA26B17D95}"/>
+              </a:ext>
+            </a:extLst>
+          </p:cNvPr>
+          <p:cNvSpPr>
+            <a:spLocks noGrp="1"/>
+          </p:cNvSpPr>
+          <p:nvPr>
+            <p:ph type="sldNum" sz="quarter" idx="12"/>
+          </p:nvPr>
+        </p:nvSpPr>
+        <p:spPr/>
+        <p:txBody>
+          <a:bodyPr/>
+          <a:lstStyle/>
+          <a:p>
+            <a:fld id="{0079CAC6-A72B-4EF8-B465-34FA47827E7F}" type="slidenum">
+              <a:rPr lang="en-US" smtClean="0"/>
+              <a:t>26</a:t>
+            </a:fld>
+            <a:endParaRPr lang="en-US" dirty="0"/>
+          </a:p>
+        </p:txBody>
+      </p:sp>
+      <p:sp>
+        <p:nvSpPr>
           <p:cNvPr id="2" name="Title 1">
             <a:extLst>
               <a:ext uri="{FF2B5EF4-FFF2-40B4-BE49-F238E27FC236}">
@@ -16588,109 +16659,44 @@
             <p:ph type="title"/>
           </p:nvPr>
         </p:nvSpPr>
-        <p:spPr/>
-        <p:txBody>
-          <a:bodyPr/>
+        <p:spPr>
+          <a:xfrm>
+            <a:off x="1203960" y="2354715"/>
+            <a:ext cx="9784080" cy="1508760"/>
+          </a:xfrm>
+        </p:spPr>
+        <p:txBody>
+          <a:bodyPr>
+            <a:normAutofit fontScale="90000"/>
+          </a:bodyPr>
           <a:lstStyle/>
           <a:p>
             <a:r>
-              <a:rPr lang="en-US" dirty="0"/>
+              <a:rPr lang="en-US" sz="6000" dirty="0">
+                <a:solidFill>
+                  <a:schemeClr val="tx1"/>
+                </a:solidFill>
+              </a:rPr>
               <a:t>What is a sample in </a:t>
             </a:r>
             <a:r>
-              <a:rPr lang="en-US" b="0" i="0" dirty="0">
+              <a:rPr lang="en-US" sz="6000" b="0" i="0" dirty="0">
+                <a:solidFill>
+                  <a:schemeClr val="tx1"/>
+                </a:solidFill>
                 <a:effectLst/>
                 <a:latin typeface="Lato" panose="020F0502020204030203" pitchFamily="34" charset="0"/>
               </a:rPr>
               <a:t>Bernoulli distribution?</a:t>
             </a:r>
             <a:r>
-              <a:rPr lang="en-US" dirty="0"/>
+              <a:rPr lang="en-US" sz="6000" dirty="0">
+                <a:solidFill>
+                  <a:schemeClr val="tx1"/>
+                </a:solidFill>
+              </a:rPr>
               <a:t> </a:t>
             </a:r>
-          </a:p>
-        </p:txBody>
-      </p:sp>
-      <p:sp>
-        <p:nvSpPr>
-          <p:cNvPr id="3" name="Content Placeholder 2">
-            <a:extLst>
-              <a:ext uri="{FF2B5EF4-FFF2-40B4-BE49-F238E27FC236}">
-                <a16:creationId xmlns:a16="http://schemas.microsoft.com/office/drawing/2014/main" id="{B0A09D37-C850-BD46-8CB6-335871795FAC}"/>
-              </a:ext>
-            </a:extLst>
-          </p:cNvPr>
-          <p:cNvSpPr>
-            <a:spLocks noGrp="1"/>
-          </p:cNvSpPr>
-          <p:nvPr>
-            <p:ph idx="1"/>
-          </p:nvPr>
-        </p:nvSpPr>
-        <p:spPr/>
-        <p:txBody>
-          <a:bodyPr/>
-          <a:lstStyle/>
-          <a:p>
-            <a:endParaRPr lang="en-US"/>
-          </a:p>
-        </p:txBody>
-      </p:sp>
-      <p:sp>
-        <p:nvSpPr>
-          <p:cNvPr id="4" name="Footer Placeholder 3">
-            <a:extLst>
-              <a:ext uri="{FF2B5EF4-FFF2-40B4-BE49-F238E27FC236}">
-                <a16:creationId xmlns:a16="http://schemas.microsoft.com/office/drawing/2014/main" id="{355EB853-F95B-5912-E937-FD6581B85473}"/>
-              </a:ext>
-            </a:extLst>
-          </p:cNvPr>
-          <p:cNvSpPr>
-            <a:spLocks noGrp="1"/>
-          </p:cNvSpPr>
-          <p:nvPr>
-            <p:ph type="ftr" sz="quarter" idx="11"/>
-          </p:nvPr>
-        </p:nvSpPr>
-        <p:spPr/>
-        <p:txBody>
-          <a:bodyPr/>
-          <a:lstStyle/>
-          <a:p>
-            <a:r>
-              <a:rPr lang="en-US"/>
-              <a:t>Fundamental Programming with Python</a:t>
-            </a:r>
-            <a:endParaRPr lang="en-US" dirty="0"/>
-          </a:p>
-        </p:txBody>
-      </p:sp>
-      <p:sp>
-        <p:nvSpPr>
-          <p:cNvPr id="5" name="Slide Number Placeholder 4">
-            <a:extLst>
-              <a:ext uri="{FF2B5EF4-FFF2-40B4-BE49-F238E27FC236}">
-                <a16:creationId xmlns:a16="http://schemas.microsoft.com/office/drawing/2014/main" id="{48D1EFB4-222B-71EC-0048-A1BA26B17D95}"/>
-              </a:ext>
-            </a:extLst>
-          </p:cNvPr>
-          <p:cNvSpPr>
-            <a:spLocks noGrp="1"/>
-          </p:cNvSpPr>
-          <p:nvPr>
-            <p:ph type="sldNum" sz="quarter" idx="12"/>
-          </p:nvPr>
-        </p:nvSpPr>
-        <p:spPr/>
-        <p:txBody>
-          <a:bodyPr/>
-          <a:lstStyle/>
-          <a:p>
-            <a:fld id="{0079CAC6-A72B-4EF8-B465-34FA47827E7F}" type="slidenum">
-              <a:rPr lang="en-US" smtClean="0"/>
-              <a:t>26</a:t>
-            </a:fld>
-            <a:endParaRPr lang="en-US" dirty="0"/>
           </a:p>
         </p:txBody>
       </p:sp>
